--- a/Lectures/Lecture 10/Lecture 10.pptx
+++ b/Lectures/Lecture 10/Lecture 10.pptx
@@ -224,7 +224,7 @@
           <a:p>
             <a:fld id="{467FE51A-BC06-4E6F-B1DA-B477364E598F}" type="datetimeFigureOut">
               <a:rPr lang="en-US" smtClean="0"/>
-              <a:t>2/4/2020</a:t>
+              <a:t>2/16/2021</a:t>
             </a:fld>
             <a:endParaRPr lang="en-US"/>
           </a:p>
@@ -638,7 +638,7 @@
           <a:p>
             <a:fld id="{11C4ABE2-2F1A-4C31-A43A-C3E7CE49CE95}" type="datetimeFigureOut">
               <a:rPr lang="en-US" smtClean="0"/>
-              <a:t>2/4/2020</a:t>
+              <a:t>2/16/2021</a:t>
             </a:fld>
             <a:endParaRPr lang="en-US"/>
           </a:p>
@@ -836,7 +836,7 @@
           <a:p>
             <a:fld id="{11C4ABE2-2F1A-4C31-A43A-C3E7CE49CE95}" type="datetimeFigureOut">
               <a:rPr lang="en-US" smtClean="0"/>
-              <a:t>2/4/2020</a:t>
+              <a:t>2/16/2021</a:t>
             </a:fld>
             <a:endParaRPr lang="en-US"/>
           </a:p>
@@ -1044,7 +1044,7 @@
           <a:p>
             <a:fld id="{11C4ABE2-2F1A-4C31-A43A-C3E7CE49CE95}" type="datetimeFigureOut">
               <a:rPr lang="en-US" smtClean="0"/>
-              <a:t>2/4/2020</a:t>
+              <a:t>2/16/2021</a:t>
             </a:fld>
             <a:endParaRPr lang="en-US"/>
           </a:p>
@@ -1242,7 +1242,7 @@
           <a:p>
             <a:fld id="{11C4ABE2-2F1A-4C31-A43A-C3E7CE49CE95}" type="datetimeFigureOut">
               <a:rPr lang="en-US" smtClean="0"/>
-              <a:t>2/4/2020</a:t>
+              <a:t>2/16/2021</a:t>
             </a:fld>
             <a:endParaRPr lang="en-US"/>
           </a:p>
@@ -1517,7 +1517,7 @@
           <a:p>
             <a:fld id="{11C4ABE2-2F1A-4C31-A43A-C3E7CE49CE95}" type="datetimeFigureOut">
               <a:rPr lang="en-US" smtClean="0"/>
-              <a:t>2/4/2020</a:t>
+              <a:t>2/16/2021</a:t>
             </a:fld>
             <a:endParaRPr lang="en-US"/>
           </a:p>
@@ -1782,7 +1782,7 @@
           <a:p>
             <a:fld id="{11C4ABE2-2F1A-4C31-A43A-C3E7CE49CE95}" type="datetimeFigureOut">
               <a:rPr lang="en-US" smtClean="0"/>
-              <a:t>2/4/2020</a:t>
+              <a:t>2/16/2021</a:t>
             </a:fld>
             <a:endParaRPr lang="en-US"/>
           </a:p>
@@ -2194,7 +2194,7 @@
           <a:p>
             <a:fld id="{11C4ABE2-2F1A-4C31-A43A-C3E7CE49CE95}" type="datetimeFigureOut">
               <a:rPr lang="en-US" smtClean="0"/>
-              <a:t>2/4/2020</a:t>
+              <a:t>2/16/2021</a:t>
             </a:fld>
             <a:endParaRPr lang="en-US"/>
           </a:p>
@@ -2335,7 +2335,7 @@
           <a:p>
             <a:fld id="{11C4ABE2-2F1A-4C31-A43A-C3E7CE49CE95}" type="datetimeFigureOut">
               <a:rPr lang="en-US" smtClean="0"/>
-              <a:t>2/4/2020</a:t>
+              <a:t>2/16/2021</a:t>
             </a:fld>
             <a:endParaRPr lang="en-US"/>
           </a:p>
@@ -2448,7 +2448,7 @@
           <a:p>
             <a:fld id="{11C4ABE2-2F1A-4C31-A43A-C3E7CE49CE95}" type="datetimeFigureOut">
               <a:rPr lang="en-US" smtClean="0"/>
-              <a:t>2/4/2020</a:t>
+              <a:t>2/16/2021</a:t>
             </a:fld>
             <a:endParaRPr lang="en-US"/>
           </a:p>
@@ -2759,7 +2759,7 @@
           <a:p>
             <a:fld id="{11C4ABE2-2F1A-4C31-A43A-C3E7CE49CE95}" type="datetimeFigureOut">
               <a:rPr lang="en-US" smtClean="0"/>
-              <a:t>2/4/2020</a:t>
+              <a:t>2/16/2021</a:t>
             </a:fld>
             <a:endParaRPr lang="en-US"/>
           </a:p>
@@ -3047,7 +3047,7 @@
           <a:p>
             <a:fld id="{11C4ABE2-2F1A-4C31-A43A-C3E7CE49CE95}" type="datetimeFigureOut">
               <a:rPr lang="en-US" smtClean="0"/>
-              <a:t>2/4/2020</a:t>
+              <a:t>2/16/2021</a:t>
             </a:fld>
             <a:endParaRPr lang="en-US"/>
           </a:p>
@@ -3288,7 +3288,7 @@
           <a:p>
             <a:fld id="{11C4ABE2-2F1A-4C31-A43A-C3E7CE49CE95}" type="datetimeFigureOut">
               <a:rPr lang="en-US" smtClean="0"/>
-              <a:t>2/4/2020</a:t>
+              <a:t>2/16/2021</a:t>
             </a:fld>
             <a:endParaRPr lang="en-US"/>
           </a:p>
@@ -14857,8 +14857,8 @@
           </a:prstGeom>
         </p:spPr>
       </p:pic>
-      <mc:AlternateContent xmlns:mc="http://schemas.openxmlformats.org/markup-compatibility/2006" xmlns:a14="http://schemas.microsoft.com/office/drawing/2010/main">
-        <mc:Choice Requires="a14">
+      <mc:AlternateContent xmlns:mc="http://schemas.openxmlformats.org/markup-compatibility/2006">
+        <mc:Choice xmlns:a14="http://schemas.microsoft.com/office/drawing/2010/main" Requires="a14">
           <p:sp>
             <p:nvSpPr>
               <p:cNvPr id="23" name="TextBox 22">
@@ -14913,7 +14913,7 @@
                         </a:solidFill>
                         <a:latin typeface="Cambria Math" panose="02040503050406030204" pitchFamily="18" charset="0"/>
                       </a:rPr>
-                      <m:t>=200</m:t>
+                      <m:t>=201</m:t>
                     </m:r>
                     <m:sSub>
                       <m:sSubPr>
@@ -15981,7 +15981,7 @@
             </p:txBody>
           </p:sp>
         </mc:Choice>
-        <mc:Fallback xmlns="">
+        <mc:Fallback>
           <p:sp>
             <p:nvSpPr>
               <p:cNvPr id="23" name="TextBox 22">

--- a/Lectures/Lecture 10/Lecture 10.pptx
+++ b/Lectures/Lecture 10/Lecture 10.pptx
@@ -224,7 +224,7 @@
           <a:p>
             <a:fld id="{467FE51A-BC06-4E6F-B1DA-B477364E598F}" type="datetimeFigureOut">
               <a:rPr lang="en-US" smtClean="0"/>
-              <a:t>2/16/2021</a:t>
+              <a:t>2/19/2021</a:t>
             </a:fld>
             <a:endParaRPr lang="en-US"/>
           </a:p>
@@ -638,7 +638,7 @@
           <a:p>
             <a:fld id="{11C4ABE2-2F1A-4C31-A43A-C3E7CE49CE95}" type="datetimeFigureOut">
               <a:rPr lang="en-US" smtClean="0"/>
-              <a:t>2/16/2021</a:t>
+              <a:t>2/19/2021</a:t>
             </a:fld>
             <a:endParaRPr lang="en-US"/>
           </a:p>
@@ -836,7 +836,7 @@
           <a:p>
             <a:fld id="{11C4ABE2-2F1A-4C31-A43A-C3E7CE49CE95}" type="datetimeFigureOut">
               <a:rPr lang="en-US" smtClean="0"/>
-              <a:t>2/16/2021</a:t>
+              <a:t>2/19/2021</a:t>
             </a:fld>
             <a:endParaRPr lang="en-US"/>
           </a:p>
@@ -1044,7 +1044,7 @@
           <a:p>
             <a:fld id="{11C4ABE2-2F1A-4C31-A43A-C3E7CE49CE95}" type="datetimeFigureOut">
               <a:rPr lang="en-US" smtClean="0"/>
-              <a:t>2/16/2021</a:t>
+              <a:t>2/19/2021</a:t>
             </a:fld>
             <a:endParaRPr lang="en-US"/>
           </a:p>
@@ -1242,7 +1242,7 @@
           <a:p>
             <a:fld id="{11C4ABE2-2F1A-4C31-A43A-C3E7CE49CE95}" type="datetimeFigureOut">
               <a:rPr lang="en-US" smtClean="0"/>
-              <a:t>2/16/2021</a:t>
+              <a:t>2/19/2021</a:t>
             </a:fld>
             <a:endParaRPr lang="en-US"/>
           </a:p>
@@ -1517,7 +1517,7 @@
           <a:p>
             <a:fld id="{11C4ABE2-2F1A-4C31-A43A-C3E7CE49CE95}" type="datetimeFigureOut">
               <a:rPr lang="en-US" smtClean="0"/>
-              <a:t>2/16/2021</a:t>
+              <a:t>2/19/2021</a:t>
             </a:fld>
             <a:endParaRPr lang="en-US"/>
           </a:p>
@@ -1782,7 +1782,7 @@
           <a:p>
             <a:fld id="{11C4ABE2-2F1A-4C31-A43A-C3E7CE49CE95}" type="datetimeFigureOut">
               <a:rPr lang="en-US" smtClean="0"/>
-              <a:t>2/16/2021</a:t>
+              <a:t>2/19/2021</a:t>
             </a:fld>
             <a:endParaRPr lang="en-US"/>
           </a:p>
@@ -2194,7 +2194,7 @@
           <a:p>
             <a:fld id="{11C4ABE2-2F1A-4C31-A43A-C3E7CE49CE95}" type="datetimeFigureOut">
               <a:rPr lang="en-US" smtClean="0"/>
-              <a:t>2/16/2021</a:t>
+              <a:t>2/19/2021</a:t>
             </a:fld>
             <a:endParaRPr lang="en-US"/>
           </a:p>
@@ -2335,7 +2335,7 @@
           <a:p>
             <a:fld id="{11C4ABE2-2F1A-4C31-A43A-C3E7CE49CE95}" type="datetimeFigureOut">
               <a:rPr lang="en-US" smtClean="0"/>
-              <a:t>2/16/2021</a:t>
+              <a:t>2/19/2021</a:t>
             </a:fld>
             <a:endParaRPr lang="en-US"/>
           </a:p>
@@ -2448,7 +2448,7 @@
           <a:p>
             <a:fld id="{11C4ABE2-2F1A-4C31-A43A-C3E7CE49CE95}" type="datetimeFigureOut">
               <a:rPr lang="en-US" smtClean="0"/>
-              <a:t>2/16/2021</a:t>
+              <a:t>2/19/2021</a:t>
             </a:fld>
             <a:endParaRPr lang="en-US"/>
           </a:p>
@@ -2759,7 +2759,7 @@
           <a:p>
             <a:fld id="{11C4ABE2-2F1A-4C31-A43A-C3E7CE49CE95}" type="datetimeFigureOut">
               <a:rPr lang="en-US" smtClean="0"/>
-              <a:t>2/16/2021</a:t>
+              <a:t>2/19/2021</a:t>
             </a:fld>
             <a:endParaRPr lang="en-US"/>
           </a:p>
@@ -3047,7 +3047,7 @@
           <a:p>
             <a:fld id="{11C4ABE2-2F1A-4C31-A43A-C3E7CE49CE95}" type="datetimeFigureOut">
               <a:rPr lang="en-US" smtClean="0"/>
-              <a:t>2/16/2021</a:t>
+              <a:t>2/19/2021</a:t>
             </a:fld>
             <a:endParaRPr lang="en-US"/>
           </a:p>
@@ -3288,7 +3288,7 @@
           <a:p>
             <a:fld id="{11C4ABE2-2F1A-4C31-A43A-C3E7CE49CE95}" type="datetimeFigureOut">
               <a:rPr lang="en-US" smtClean="0"/>
-              <a:t>2/16/2021</a:t>
+              <a:t>2/19/2021</a:t>
             </a:fld>
             <a:endParaRPr lang="en-US"/>
           </a:p>
@@ -7977,8 +7977,8 @@
           </p:sp>
         </mc:Fallback>
       </mc:AlternateContent>
-      <mc:AlternateContent xmlns:mc="http://schemas.openxmlformats.org/markup-compatibility/2006" xmlns:a14="http://schemas.microsoft.com/office/drawing/2010/main">
-        <mc:Choice Requires="a14">
+      <mc:AlternateContent xmlns:mc="http://schemas.openxmlformats.org/markup-compatibility/2006">
+        <mc:Choice xmlns:a14="http://schemas.microsoft.com/office/drawing/2010/main" Requires="a14">
           <p:sp>
             <p:nvSpPr>
               <p:cNvPr id="31" name="Rectangle 30">
@@ -8081,7 +8081,7 @@
                             </a:solidFill>
                             <a:latin typeface="Cambria Math" panose="02040503050406030204" pitchFamily="18" charset="0"/>
                           </a:rPr>
-                          <m:t>37</m:t>
+                          <m:t>46</m:t>
                         </m:r>
                       </m:sub>
                     </m:sSub>
@@ -8124,7 +8124,7 @@
                             </a:solidFill>
                             <a:latin typeface="Cambria Math" panose="02040503050406030204" pitchFamily="18" charset="0"/>
                           </a:rPr>
-                          <m:t>38</m:t>
+                          <m:t>56</m:t>
                         </m:r>
                       </m:sub>
                     </m:sSub>
@@ -8206,7 +8206,7 @@
                             </a:solidFill>
                             <a:latin typeface="Cambria Math" panose="02040503050406030204" pitchFamily="18" charset="0"/>
                           </a:rPr>
-                          <m:t>46</m:t>
+                          <m:t>37</m:t>
                         </m:r>
                       </m:sub>
                     </m:sSub>
@@ -8292,7 +8292,7 @@
                             </a:solidFill>
                             <a:latin typeface="Cambria Math" panose="02040503050406030204" pitchFamily="18" charset="0"/>
                           </a:rPr>
-                          <m:t>48</m:t>
+                          <m:t>57</m:t>
                         </m:r>
                       </m:sub>
                     </m:sSub>
@@ -8383,7 +8383,7 @@
                             </a:solidFill>
                             <a:latin typeface="Cambria Math" panose="02040503050406030204" pitchFamily="18" charset="0"/>
                           </a:rPr>
-                          <m:t>56</m:t>
+                          <m:t>38</m:t>
                         </m:r>
                       </m:sub>
                     </m:sSub>
@@ -8426,7 +8426,7 @@
                             </a:solidFill>
                             <a:latin typeface="Cambria Math" panose="02040503050406030204" pitchFamily="18" charset="0"/>
                           </a:rPr>
-                          <m:t>57</m:t>
+                          <m:t>48</m:t>
                         </m:r>
                       </m:sub>
                     </m:sSub>
@@ -8530,7 +8530,7 @@
             </p:txBody>
           </p:sp>
         </mc:Choice>
-        <mc:Fallback xmlns="">
+        <mc:Fallback>
           <p:sp>
             <p:nvSpPr>
               <p:cNvPr id="31" name="Rectangle 30">
@@ -14857,8 +14857,8 @@
           </a:prstGeom>
         </p:spPr>
       </p:pic>
-      <mc:AlternateContent xmlns:mc="http://schemas.openxmlformats.org/markup-compatibility/2006">
-        <mc:Choice xmlns:a14="http://schemas.microsoft.com/office/drawing/2010/main" Requires="a14">
+      <mc:AlternateContent xmlns:mc="http://schemas.openxmlformats.org/markup-compatibility/2006" xmlns:a14="http://schemas.microsoft.com/office/drawing/2010/main">
+        <mc:Choice Requires="a14">
           <p:sp>
             <p:nvSpPr>
               <p:cNvPr id="23" name="TextBox 22">
@@ -15981,7 +15981,7 @@
             </p:txBody>
           </p:sp>
         </mc:Choice>
-        <mc:Fallback>
+        <mc:Fallback xmlns="">
           <p:sp>
             <p:nvSpPr>
               <p:cNvPr id="23" name="TextBox 22">
